--- a/03-Static fields and methods.pptx
+++ b/03-Static fields and methods.pptx
@@ -11,7 +11,7 @@
     <p:handoutMasterId r:id="rId20"/>
   </p:handoutMasterIdLst>
   <p:sldIdLst>
-    <p:sldId id="1555" r:id="rId5"/>
+    <p:sldId id="299" r:id="rId5"/>
     <p:sldId id="1567" r:id="rId6"/>
     <p:sldId id="775" r:id="rId7"/>
     <p:sldId id="777" r:id="rId8"/>
@@ -3037,7 +3037,7 @@
           <a:p>
             <a:fld id="{86D088FE-3E68-47FE-8BA4-634CD34BABBC}" type="datetimeFigureOut">
               <a:rPr lang="en-GB" smtClean="0"/>
-              <a:t>04/12/2025</a:t>
+              <a:t>05/12/2025</a:t>
             </a:fld>
             <a:endParaRPr lang="en-GB"/>
           </a:p>
@@ -3202,7 +3202,7 @@
           <a:p>
             <a:fld id="{1D6B66C6-1E92-0F4E-A300-9D4ED1F0C23F}" type="datetimeFigureOut">
               <a:rPr lang="en-GB" smtClean="0"/>
-              <a:t>04/12/2025</a:t>
+              <a:t>05/12/2025</a:t>
             </a:fld>
             <a:endParaRPr lang="en-GB"/>
           </a:p>
@@ -3489,44 +3489,62 @@
       </p:grpSpPr>
       <p:sp>
         <p:nvSpPr>
-          <p:cNvPr id="8194" name="Rectangle 2"/>
+          <p:cNvPr id="2" name="Slide Image Placeholder 1"/>
           <p:cNvSpPr>
-            <a:spLocks noGrp="1" noRot="1" noChangeAspect="1" noChangeArrowheads="1" noTextEdit="1"/>
+            <a:spLocks noGrp="1" noRot="1" noChangeAspect="1"/>
           </p:cNvSpPr>
           <p:nvPr>
             <p:ph type="sldImg"/>
           </p:nvPr>
         </p:nvSpPr>
-        <p:spPr>
-          <a:ln/>
-        </p:spPr>
+        <p:spPr/>
       </p:sp>
       <p:sp>
         <p:nvSpPr>
-          <p:cNvPr id="8195" name="Rectangle 3"/>
+          <p:cNvPr id="3" name="Notes Placeholder 2"/>
           <p:cNvSpPr>
-            <a:spLocks noGrp="1" noChangeArrowheads="1"/>
+            <a:spLocks noGrp="1"/>
           </p:cNvSpPr>
           <p:nvPr>
             <p:ph type="body" idx="1"/>
           </p:nvPr>
         </p:nvSpPr>
-        <p:spPr>
-          <a:noFill/>
-          <a:ln/>
-        </p:spPr>
+        <p:spPr/>
         <p:txBody>
           <a:bodyPr/>
           <a:lstStyle/>
           <a:p>
             <a:endParaRPr lang="en-US"/>
+          </a:p>
+        </p:txBody>
+      </p:sp>
+      <p:sp>
+        <p:nvSpPr>
+          <p:cNvPr id="4" name="Slide Number Placeholder 3"/>
+          <p:cNvSpPr>
+            <a:spLocks noGrp="1"/>
+          </p:cNvSpPr>
+          <p:nvPr>
+            <p:ph type="sldNum" sz="quarter" idx="5"/>
+          </p:nvPr>
+        </p:nvSpPr>
+        <p:spPr/>
+        <p:txBody>
+          <a:bodyPr/>
+          <a:lstStyle/>
+          <a:p>
+            <a:fld id="{35BE1F5F-BEC2-48D5-A890-C07C79853E26}" type="slidenum">
+              <a:rPr lang="en-GB" smtClean="0"/>
+              <a:t>1</a:t>
+            </a:fld>
+            <a:endParaRPr lang="en-GB"/>
           </a:p>
         </p:txBody>
       </p:sp>
     </p:spTree>
     <p:extLst>
       <p:ext uri="{BB962C8B-B14F-4D97-AF65-F5344CB8AC3E}">
-        <p14:creationId xmlns:p14="http://schemas.microsoft.com/office/powerpoint/2010/main" val="3024824526"/>
+        <p14:creationId xmlns:p14="http://schemas.microsoft.com/office/powerpoint/2010/main" val="2546931957"/>
       </p:ext>
     </p:extLst>
   </p:cSld>
@@ -3607,7 +3625,7 @@
             <a:fld id="{548901C6-1DA1-FB44-ABEE-06A0FEB7738E}" type="slidenum">
               <a:rPr lang="en-GB" smtClean="0"/>
               <a:pPr/>
-              <a:t>11</a:t>
+              <a:t>10</a:t>
             </a:fld>
             <a:endParaRPr lang="en-GB"/>
           </a:p>
@@ -3616,7 +3634,7 @@
     </p:spTree>
     <p:extLst>
       <p:ext uri="{BB962C8B-B14F-4D97-AF65-F5344CB8AC3E}">
-        <p14:creationId xmlns:p14="http://schemas.microsoft.com/office/powerpoint/2010/main" val="1350830037"/>
+        <p14:creationId xmlns:p14="http://schemas.microsoft.com/office/powerpoint/2010/main" val="1345237780"/>
       </p:ext>
     </p:extLst>
   </p:cSld>
@@ -3697,6 +3715,96 @@
             <a:fld id="{548901C6-1DA1-FB44-ABEE-06A0FEB7738E}" type="slidenum">
               <a:rPr lang="en-GB" smtClean="0"/>
               <a:pPr/>
+              <a:t>11</a:t>
+            </a:fld>
+            <a:endParaRPr lang="en-GB"/>
+          </a:p>
+        </p:txBody>
+      </p:sp>
+    </p:spTree>
+    <p:extLst>
+      <p:ext uri="{BB962C8B-B14F-4D97-AF65-F5344CB8AC3E}">
+        <p14:creationId xmlns:p14="http://schemas.microsoft.com/office/powerpoint/2010/main" val="1350830037"/>
+      </p:ext>
+    </p:extLst>
+  </p:cSld>
+  <p:clrMapOvr>
+    <a:masterClrMapping/>
+  </p:clrMapOvr>
+</p:notes>
+</file>
+
+<file path=ppt/notesSlides/notesSlide12.xml><?xml version="1.0" encoding="utf-8"?>
+<p:notes xmlns:a="http://schemas.openxmlformats.org/drawingml/2006/main" xmlns:r="http://schemas.openxmlformats.org/officeDocument/2006/relationships" xmlns:p="http://schemas.openxmlformats.org/presentationml/2006/main">
+  <p:cSld>
+    <p:spTree>
+      <p:nvGrpSpPr>
+        <p:cNvPr id="1" name=""/>
+        <p:cNvGrpSpPr/>
+        <p:nvPr/>
+      </p:nvGrpSpPr>
+      <p:grpSpPr>
+        <a:xfrm>
+          <a:off x="0" y="0"/>
+          <a:ext cx="0" cy="0"/>
+          <a:chOff x="0" y="0"/>
+          <a:chExt cx="0" cy="0"/>
+        </a:xfrm>
+      </p:grpSpPr>
+      <p:sp>
+        <p:nvSpPr>
+          <p:cNvPr id="32770" name="Rectangle 2"/>
+          <p:cNvSpPr>
+            <a:spLocks noGrp="1" noRot="1" noChangeAspect="1" noChangeArrowheads="1" noTextEdit="1"/>
+          </p:cNvSpPr>
+          <p:nvPr>
+            <p:ph type="sldImg"/>
+          </p:nvPr>
+        </p:nvSpPr>
+        <p:spPr>
+          <a:ln/>
+        </p:spPr>
+      </p:sp>
+      <p:sp>
+        <p:nvSpPr>
+          <p:cNvPr id="32771" name="Rectangle 3"/>
+          <p:cNvSpPr>
+            <a:spLocks noGrp="1" noChangeArrowheads="1"/>
+          </p:cNvSpPr>
+          <p:nvPr>
+            <p:ph type="body" idx="1"/>
+          </p:nvPr>
+        </p:nvSpPr>
+        <p:spPr>
+          <a:noFill/>
+          <a:ln/>
+        </p:spPr>
+        <p:txBody>
+          <a:bodyPr/>
+          <a:lstStyle/>
+          <a:p>
+            <a:endParaRPr lang="en-GB" dirty="0"/>
+          </a:p>
+        </p:txBody>
+      </p:sp>
+      <p:sp>
+        <p:nvSpPr>
+          <p:cNvPr id="2" name="Slide Number Placeholder 1"/>
+          <p:cNvSpPr>
+            <a:spLocks noGrp="1"/>
+          </p:cNvSpPr>
+          <p:nvPr>
+            <p:ph type="sldNum" sz="quarter" idx="10"/>
+          </p:nvPr>
+        </p:nvSpPr>
+        <p:spPr/>
+        <p:txBody>
+          <a:bodyPr/>
+          <a:lstStyle/>
+          <a:p>
+            <a:fld id="{548901C6-1DA1-FB44-ABEE-06A0FEB7738E}" type="slidenum">
+              <a:rPr lang="en-GB" smtClean="0"/>
+              <a:pPr/>
               <a:t>12</a:t>
             </a:fld>
             <a:endParaRPr lang="en-GB"/>
@@ -3716,7 +3824,7 @@
 </p:notes>
 </file>
 
-<file path=ppt/notesSlides/notesSlide12.xml><?xml version="1.0" encoding="utf-8"?>
+<file path=ppt/notesSlides/notesSlide13.xml><?xml version="1.0" encoding="utf-8"?>
 <p:notes xmlns:a="http://schemas.openxmlformats.org/drawingml/2006/main" xmlns:r="http://schemas.openxmlformats.org/officeDocument/2006/relationships" xmlns:p="http://schemas.openxmlformats.org/presentationml/2006/main">
   <p:cSld>
     <p:spTree>
@@ -3809,7 +3917,7 @@
 </p:notes>
 </file>
 
-<file path=ppt/notesSlides/notesSlide13.xml><?xml version="1.0" encoding="utf-8"?>
+<file path=ppt/notesSlides/notesSlide14.xml><?xml version="1.0" encoding="utf-8"?>
 <p:notes xmlns:a="http://schemas.openxmlformats.org/drawingml/2006/main" xmlns:r="http://schemas.openxmlformats.org/officeDocument/2006/relationships" xmlns:p="http://schemas.openxmlformats.org/presentationml/2006/main">
   <p:cSld>
     <p:spTree>
@@ -3918,63 +4026,44 @@
       </p:grpSpPr>
       <p:sp>
         <p:nvSpPr>
-          <p:cNvPr id="2" name="Slide Image Placeholder 1"/>
+          <p:cNvPr id="8194" name="Rectangle 2"/>
           <p:cNvSpPr>
-            <a:spLocks noGrp="1" noRot="1" noChangeAspect="1"/>
+            <a:spLocks noGrp="1" noRot="1" noChangeAspect="1" noChangeArrowheads="1" noTextEdit="1"/>
           </p:cNvSpPr>
           <p:nvPr>
             <p:ph type="sldImg"/>
           </p:nvPr>
         </p:nvSpPr>
-        <p:spPr/>
+        <p:spPr>
+          <a:ln/>
+        </p:spPr>
       </p:sp>
       <p:sp>
         <p:nvSpPr>
-          <p:cNvPr id="3" name="Notes Placeholder 2"/>
+          <p:cNvPr id="8195" name="Rectangle 3"/>
           <p:cNvSpPr>
-            <a:spLocks noGrp="1"/>
+            <a:spLocks noGrp="1" noChangeArrowheads="1"/>
           </p:cNvSpPr>
           <p:nvPr>
             <p:ph type="body" idx="1"/>
           </p:nvPr>
         </p:nvSpPr>
-        <p:spPr/>
+        <p:spPr>
+          <a:noFill/>
+          <a:ln/>
+        </p:spPr>
         <p:txBody>
           <a:bodyPr/>
           <a:lstStyle/>
           <a:p>
-            <a:endParaRPr lang="en-IN"/>
-          </a:p>
-        </p:txBody>
-      </p:sp>
-      <p:sp>
-        <p:nvSpPr>
-          <p:cNvPr id="4" name="Slide Number Placeholder 3"/>
-          <p:cNvSpPr>
-            <a:spLocks noGrp="1"/>
-          </p:cNvSpPr>
-          <p:nvPr>
-            <p:ph type="sldNum" sz="quarter" idx="10"/>
-          </p:nvPr>
-        </p:nvSpPr>
-        <p:spPr/>
-        <p:txBody>
-          <a:bodyPr/>
-          <a:lstStyle/>
-          <a:p>
-            <a:fld id="{548901C6-1DA1-FB44-ABEE-06A0FEB7738E}" type="slidenum">
-              <a:rPr lang="en-GB" smtClean="0"/>
-              <a:pPr/>
-              <a:t>3</a:t>
-            </a:fld>
-            <a:endParaRPr lang="en-GB"/>
+            <a:endParaRPr lang="en-US"/>
           </a:p>
         </p:txBody>
       </p:sp>
     </p:spTree>
     <p:extLst>
       <p:ext uri="{BB962C8B-B14F-4D97-AF65-F5344CB8AC3E}">
-        <p14:creationId xmlns:p14="http://schemas.microsoft.com/office/powerpoint/2010/main" val="526480340"/>
+        <p14:creationId xmlns:p14="http://schemas.microsoft.com/office/powerpoint/2010/main" val="3024824526"/>
       </p:ext>
     </p:extLst>
   </p:cSld>
@@ -4050,7 +4139,7 @@
             <a:fld id="{548901C6-1DA1-FB44-ABEE-06A0FEB7738E}" type="slidenum">
               <a:rPr lang="en-GB" smtClean="0"/>
               <a:pPr/>
-              <a:t>4</a:t>
+              <a:t>3</a:t>
             </a:fld>
             <a:endParaRPr lang="en-GB"/>
           </a:p>
@@ -4059,7 +4148,7 @@
     </p:spTree>
     <p:extLst>
       <p:ext uri="{BB962C8B-B14F-4D97-AF65-F5344CB8AC3E}">
-        <p14:creationId xmlns:p14="http://schemas.microsoft.com/office/powerpoint/2010/main" val="1615246377"/>
+        <p14:creationId xmlns:p14="http://schemas.microsoft.com/office/powerpoint/2010/main" val="526480340"/>
       </p:ext>
     </p:extLst>
   </p:cSld>
@@ -4110,6 +4199,91 @@
         </p:nvSpPr>
         <p:spPr/>
         <p:txBody>
+          <a:bodyPr/>
+          <a:lstStyle/>
+          <a:p>
+            <a:endParaRPr lang="en-IN"/>
+          </a:p>
+        </p:txBody>
+      </p:sp>
+      <p:sp>
+        <p:nvSpPr>
+          <p:cNvPr id="4" name="Slide Number Placeholder 3"/>
+          <p:cNvSpPr>
+            <a:spLocks noGrp="1"/>
+          </p:cNvSpPr>
+          <p:nvPr>
+            <p:ph type="sldNum" sz="quarter" idx="10"/>
+          </p:nvPr>
+        </p:nvSpPr>
+        <p:spPr/>
+        <p:txBody>
+          <a:bodyPr/>
+          <a:lstStyle/>
+          <a:p>
+            <a:fld id="{548901C6-1DA1-FB44-ABEE-06A0FEB7738E}" type="slidenum">
+              <a:rPr lang="en-GB" smtClean="0"/>
+              <a:pPr/>
+              <a:t>4</a:t>
+            </a:fld>
+            <a:endParaRPr lang="en-GB"/>
+          </a:p>
+        </p:txBody>
+      </p:sp>
+    </p:spTree>
+    <p:extLst>
+      <p:ext uri="{BB962C8B-B14F-4D97-AF65-F5344CB8AC3E}">
+        <p14:creationId xmlns:p14="http://schemas.microsoft.com/office/powerpoint/2010/main" val="1615246377"/>
+      </p:ext>
+    </p:extLst>
+  </p:cSld>
+  <p:clrMapOvr>
+    <a:masterClrMapping/>
+  </p:clrMapOvr>
+</p:notes>
+</file>
+
+<file path=ppt/notesSlides/notesSlide5.xml><?xml version="1.0" encoding="utf-8"?>
+<p:notes xmlns:a="http://schemas.openxmlformats.org/drawingml/2006/main" xmlns:r="http://schemas.openxmlformats.org/officeDocument/2006/relationships" xmlns:p="http://schemas.openxmlformats.org/presentationml/2006/main">
+  <p:cSld>
+    <p:spTree>
+      <p:nvGrpSpPr>
+        <p:cNvPr id="1" name=""/>
+        <p:cNvGrpSpPr/>
+        <p:nvPr/>
+      </p:nvGrpSpPr>
+      <p:grpSpPr>
+        <a:xfrm>
+          <a:off x="0" y="0"/>
+          <a:ext cx="0" cy="0"/>
+          <a:chOff x="0" y="0"/>
+          <a:chExt cx="0" cy="0"/>
+        </a:xfrm>
+      </p:grpSpPr>
+      <p:sp>
+        <p:nvSpPr>
+          <p:cNvPr id="2" name="Slide Image Placeholder 1"/>
+          <p:cNvSpPr>
+            <a:spLocks noGrp="1" noRot="1" noChangeAspect="1"/>
+          </p:cNvSpPr>
+          <p:nvPr>
+            <p:ph type="sldImg"/>
+          </p:nvPr>
+        </p:nvSpPr>
+        <p:spPr/>
+      </p:sp>
+      <p:sp>
+        <p:nvSpPr>
+          <p:cNvPr id="3" name="Notes Placeholder 2"/>
+          <p:cNvSpPr>
+            <a:spLocks noGrp="1"/>
+          </p:cNvSpPr>
+          <p:nvPr>
+            <p:ph type="body" idx="1"/>
+          </p:nvPr>
+        </p:nvSpPr>
+        <p:spPr/>
+        <p:txBody>
           <a:bodyPr>
             <a:normAutofit/>
           </a:bodyPr>
@@ -4179,7 +4353,7 @@
 </p:notes>
 </file>
 
-<file path=ppt/notesSlides/notesSlide5.xml><?xml version="1.0" encoding="utf-8"?>
+<file path=ppt/notesSlides/notesSlide6.xml><?xml version="1.0" encoding="utf-8"?>
 <p:notes xmlns:a="http://schemas.openxmlformats.org/drawingml/2006/main" xmlns:r="http://schemas.openxmlformats.org/officeDocument/2006/relationships" xmlns:p="http://schemas.openxmlformats.org/presentationml/2006/main">
   <p:cSld>
     <p:spTree>
@@ -4348,7 +4522,7 @@
 </p:notes>
 </file>
 
-<file path=ppt/notesSlides/notesSlide6.xml><?xml version="1.0" encoding="utf-8"?>
+<file path=ppt/notesSlides/notesSlide7.xml><?xml version="1.0" encoding="utf-8"?>
 <p:notes xmlns:a="http://schemas.openxmlformats.org/drawingml/2006/main" xmlns:r="http://schemas.openxmlformats.org/officeDocument/2006/relationships" xmlns:p="http://schemas.openxmlformats.org/presentationml/2006/main">
   <p:cSld>
     <p:spTree>
@@ -4480,7 +4654,7 @@
 </p:notes>
 </file>
 
-<file path=ppt/notesSlides/notesSlide7.xml><?xml version="1.0" encoding="utf-8"?>
+<file path=ppt/notesSlides/notesSlide8.xml><?xml version="1.0" encoding="utf-8"?>
 <p:notes xmlns:a="http://schemas.openxmlformats.org/drawingml/2006/main" xmlns:r="http://schemas.openxmlformats.org/officeDocument/2006/relationships" xmlns:p="http://schemas.openxmlformats.org/presentationml/2006/main">
   <p:cSld>
     <p:spTree>
@@ -4585,7 +4759,7 @@
 </p:notes>
 </file>
 
-<file path=ppt/notesSlides/notesSlide8.xml><?xml version="1.0" encoding="utf-8"?>
+<file path=ppt/notesSlides/notesSlide9.xml><?xml version="1.0" encoding="utf-8"?>
 <p:notes xmlns:a="http://schemas.openxmlformats.org/drawingml/2006/main" xmlns:r="http://schemas.openxmlformats.org/officeDocument/2006/relationships" xmlns:p="http://schemas.openxmlformats.org/presentationml/2006/main">
   <p:cSld>
     <p:spTree>
@@ -4697,96 +4871,6 @@
     <p:extLst>
       <p:ext uri="{BB962C8B-B14F-4D97-AF65-F5344CB8AC3E}">
         <p14:creationId xmlns:p14="http://schemas.microsoft.com/office/powerpoint/2010/main" val="2700307111"/>
-      </p:ext>
-    </p:extLst>
-  </p:cSld>
-  <p:clrMapOvr>
-    <a:masterClrMapping/>
-  </p:clrMapOvr>
-</p:notes>
-</file>
-
-<file path=ppt/notesSlides/notesSlide9.xml><?xml version="1.0" encoding="utf-8"?>
-<p:notes xmlns:a="http://schemas.openxmlformats.org/drawingml/2006/main" xmlns:r="http://schemas.openxmlformats.org/officeDocument/2006/relationships" xmlns:p="http://schemas.openxmlformats.org/presentationml/2006/main">
-  <p:cSld>
-    <p:spTree>
-      <p:nvGrpSpPr>
-        <p:cNvPr id="1" name=""/>
-        <p:cNvGrpSpPr/>
-        <p:nvPr/>
-      </p:nvGrpSpPr>
-      <p:grpSpPr>
-        <a:xfrm>
-          <a:off x="0" y="0"/>
-          <a:ext cx="0" cy="0"/>
-          <a:chOff x="0" y="0"/>
-          <a:chExt cx="0" cy="0"/>
-        </a:xfrm>
-      </p:grpSpPr>
-      <p:sp>
-        <p:nvSpPr>
-          <p:cNvPr id="32770" name="Rectangle 2"/>
-          <p:cNvSpPr>
-            <a:spLocks noGrp="1" noRot="1" noChangeAspect="1" noChangeArrowheads="1" noTextEdit="1"/>
-          </p:cNvSpPr>
-          <p:nvPr>
-            <p:ph type="sldImg"/>
-          </p:nvPr>
-        </p:nvSpPr>
-        <p:spPr>
-          <a:ln/>
-        </p:spPr>
-      </p:sp>
-      <p:sp>
-        <p:nvSpPr>
-          <p:cNvPr id="32771" name="Rectangle 3"/>
-          <p:cNvSpPr>
-            <a:spLocks noGrp="1" noChangeArrowheads="1"/>
-          </p:cNvSpPr>
-          <p:nvPr>
-            <p:ph type="body" idx="1"/>
-          </p:nvPr>
-        </p:nvSpPr>
-        <p:spPr>
-          <a:noFill/>
-          <a:ln/>
-        </p:spPr>
-        <p:txBody>
-          <a:bodyPr/>
-          <a:lstStyle/>
-          <a:p>
-            <a:endParaRPr lang="en-GB" dirty="0"/>
-          </a:p>
-        </p:txBody>
-      </p:sp>
-      <p:sp>
-        <p:nvSpPr>
-          <p:cNvPr id="2" name="Slide Number Placeholder 1"/>
-          <p:cNvSpPr>
-            <a:spLocks noGrp="1"/>
-          </p:cNvSpPr>
-          <p:nvPr>
-            <p:ph type="sldNum" sz="quarter" idx="10"/>
-          </p:nvPr>
-        </p:nvSpPr>
-        <p:spPr/>
-        <p:txBody>
-          <a:bodyPr/>
-          <a:lstStyle/>
-          <a:p>
-            <a:fld id="{548901C6-1DA1-FB44-ABEE-06A0FEB7738E}" type="slidenum">
-              <a:rPr lang="en-GB" smtClean="0"/>
-              <a:pPr/>
-              <a:t>10</a:t>
-            </a:fld>
-            <a:endParaRPr lang="en-GB"/>
-          </a:p>
-        </p:txBody>
-      </p:sp>
-    </p:spTree>
-    <p:extLst>
-      <p:ext uri="{BB962C8B-B14F-4D97-AF65-F5344CB8AC3E}">
-        <p14:creationId xmlns:p14="http://schemas.microsoft.com/office/powerpoint/2010/main" val="1345237780"/>
       </p:ext>
     </p:extLst>
   </p:cSld>
@@ -22270,6 +22354,245 @@
 </p:sldLayout>
 </file>
 
+<file path=ppt/slideLayouts/slideLayout37.xml><?xml version="1.0" encoding="utf-8"?>
+<p:sldLayout xmlns:a="http://schemas.openxmlformats.org/drawingml/2006/main" xmlns:r="http://schemas.openxmlformats.org/officeDocument/2006/relationships" xmlns:p="http://schemas.openxmlformats.org/presentationml/2006/main" type="title">
+  <p:cSld name="Purple_divider">
+    <p:bg>
+      <p:bgPr>
+        <a:blipFill dpi="0" rotWithShape="1">
+          <a:blip r:embed="rId2">
+            <a:lum/>
+          </a:blip>
+          <a:srcRect/>
+          <a:stretch>
+            <a:fillRect/>
+          </a:stretch>
+        </a:blipFill>
+        <a:effectLst/>
+      </p:bgPr>
+    </p:bg>
+    <p:spTree>
+      <p:nvGrpSpPr>
+        <p:cNvPr id="1" name=""/>
+        <p:cNvGrpSpPr/>
+        <p:nvPr/>
+      </p:nvGrpSpPr>
+      <p:grpSpPr>
+        <a:xfrm>
+          <a:off x="0" y="0"/>
+          <a:ext cx="0" cy="0"/>
+          <a:chOff x="0" y="0"/>
+          <a:chExt cx="0" cy="0"/>
+        </a:xfrm>
+      </p:grpSpPr>
+      <p:pic>
+        <p:nvPicPr>
+          <p:cNvPr id="5" name="Picture 4">
+            <a:extLst>
+              <a:ext uri="{FF2B5EF4-FFF2-40B4-BE49-F238E27FC236}">
+                <a16:creationId xmlns:a16="http://schemas.microsoft.com/office/drawing/2014/main" id="{AB0B8D50-2C63-2F2E-599F-E921BF1F757F}"/>
+              </a:ext>
+              <a:ext uri="{C183D7F6-B498-43B3-948B-1728B52AA6E4}">
+                <adec:decorative xmlns:adec="http://schemas.microsoft.com/office/drawing/2017/decorative" val="1"/>
+              </a:ext>
+            </a:extLst>
+          </p:cNvPr>
+          <p:cNvPicPr>
+            <a:picLocks noChangeAspect="1"/>
+          </p:cNvPicPr>
+          <p:nvPr userDrawn="1"/>
+        </p:nvPicPr>
+        <p:blipFill>
+          <a:blip r:embed="rId3"/>
+          <a:stretch>
+            <a:fillRect/>
+          </a:stretch>
+        </p:blipFill>
+        <p:spPr>
+          <a:xfrm>
+            <a:off x="0" y="898802"/>
+            <a:ext cx="8062294" cy="1684800"/>
+          </a:xfrm>
+          <a:prstGeom prst="rect">
+            <a:avLst/>
+          </a:prstGeom>
+        </p:spPr>
+      </p:pic>
+      <p:sp>
+        <p:nvSpPr>
+          <p:cNvPr id="2" name="Title 1">
+            <a:extLst>
+              <a:ext uri="{FF2B5EF4-FFF2-40B4-BE49-F238E27FC236}">
+                <a16:creationId xmlns:a16="http://schemas.microsoft.com/office/drawing/2014/main" id="{909D855A-1A49-ADBE-89C8-65ECAFD2AAB3}"/>
+              </a:ext>
+            </a:extLst>
+          </p:cNvPr>
+          <p:cNvSpPr>
+            <a:spLocks noGrp="1"/>
+          </p:cNvSpPr>
+          <p:nvPr>
+            <p:ph type="ctrTitle"/>
+          </p:nvPr>
+        </p:nvSpPr>
+        <p:spPr>
+          <a:xfrm>
+            <a:off x="473406" y="1118152"/>
+            <a:ext cx="6777996" cy="1247916"/>
+          </a:xfrm>
+          <a:prstGeom prst="rect">
+            <a:avLst/>
+          </a:prstGeom>
+          <a:ln>
+            <a:noFill/>
+          </a:ln>
+        </p:spPr>
+        <p:txBody>
+          <a:bodyPr lIns="0" rIns="0" anchor="ctr"/>
+          <a:lstStyle>
+            <a:lvl1pPr algn="l">
+              <a:lnSpc>
+                <a:spcPct val="100000"/>
+              </a:lnSpc>
+              <a:defRPr sz="3600">
+                <a:solidFill>
+                  <a:schemeClr val="tx1"/>
+                </a:solidFill>
+              </a:defRPr>
+            </a:lvl1pPr>
+          </a:lstStyle>
+          <a:p>
+            <a:endParaRPr lang="en-GB"/>
+          </a:p>
+        </p:txBody>
+      </p:sp>
+      <p:sp>
+        <p:nvSpPr>
+          <p:cNvPr id="3" name="Subtitle 2">
+            <a:extLst>
+              <a:ext uri="{FF2B5EF4-FFF2-40B4-BE49-F238E27FC236}">
+                <a16:creationId xmlns:a16="http://schemas.microsoft.com/office/drawing/2014/main" id="{994AF8D4-DACD-9AF9-364C-02C474BC62A5}"/>
+              </a:ext>
+            </a:extLst>
+          </p:cNvPr>
+          <p:cNvSpPr>
+            <a:spLocks noGrp="1"/>
+          </p:cNvSpPr>
+          <p:nvPr>
+            <p:ph type="subTitle" idx="1"/>
+          </p:nvPr>
+        </p:nvSpPr>
+        <p:spPr>
+          <a:xfrm>
+            <a:off x="473406" y="2902689"/>
+            <a:ext cx="6150678" cy="863600"/>
+          </a:xfrm>
+          <a:prstGeom prst="rect">
+            <a:avLst/>
+          </a:prstGeom>
+          <a:ln>
+            <a:noFill/>
+          </a:ln>
+        </p:spPr>
+        <p:txBody>
+          <a:bodyPr lIns="0" rIns="0" anchor="t"/>
+          <a:lstStyle>
+            <a:lvl1pPr marL="0" indent="0" algn="l">
+              <a:buNone/>
+              <a:defRPr sz="1800">
+                <a:solidFill>
+                  <a:schemeClr val="tx1"/>
+                </a:solidFill>
+              </a:defRPr>
+            </a:lvl1pPr>
+            <a:lvl2pPr marL="457200" indent="0" algn="ctr">
+              <a:buNone/>
+              <a:defRPr sz="2000"/>
+            </a:lvl2pPr>
+            <a:lvl3pPr marL="914400" indent="0" algn="ctr">
+              <a:buNone/>
+              <a:defRPr sz="1800"/>
+            </a:lvl3pPr>
+            <a:lvl4pPr marL="1371600" indent="0" algn="ctr">
+              <a:buNone/>
+              <a:defRPr sz="1600"/>
+            </a:lvl4pPr>
+            <a:lvl5pPr marL="1828800" indent="0" algn="ctr">
+              <a:buNone/>
+              <a:defRPr sz="1600"/>
+            </a:lvl5pPr>
+            <a:lvl6pPr marL="2286000" indent="0" algn="ctr">
+              <a:buNone/>
+              <a:defRPr sz="1600"/>
+            </a:lvl6pPr>
+            <a:lvl7pPr marL="2743200" indent="0" algn="ctr">
+              <a:buNone/>
+              <a:defRPr sz="1600"/>
+            </a:lvl7pPr>
+            <a:lvl8pPr marL="3200400" indent="0" algn="ctr">
+              <a:buNone/>
+              <a:defRPr sz="1600"/>
+            </a:lvl8pPr>
+            <a:lvl9pPr marL="3657600" indent="0" algn="ctr">
+              <a:buNone/>
+              <a:defRPr sz="1600"/>
+            </a:lvl9pPr>
+          </a:lstStyle>
+          <a:p>
+            <a:endParaRPr lang="en-GB"/>
+          </a:p>
+        </p:txBody>
+      </p:sp>
+      <p:pic>
+        <p:nvPicPr>
+          <p:cNvPr id="9" name="Picture 8">
+            <a:extLst>
+              <a:ext uri="{FF2B5EF4-FFF2-40B4-BE49-F238E27FC236}">
+                <a16:creationId xmlns:a16="http://schemas.microsoft.com/office/drawing/2014/main" id="{ADC96ABF-C649-123E-FBF1-598689C3D553}"/>
+              </a:ext>
+              <a:ext uri="{C183D7F6-B498-43B3-948B-1728B52AA6E4}">
+                <adec:decorative xmlns:adec="http://schemas.microsoft.com/office/drawing/2017/decorative" val="1"/>
+              </a:ext>
+            </a:extLst>
+          </p:cNvPr>
+          <p:cNvPicPr>
+            <a:picLocks noChangeAspect="1"/>
+          </p:cNvPicPr>
+          <p:nvPr userDrawn="1"/>
+        </p:nvPicPr>
+        <p:blipFill>
+          <a:blip r:embed="rId4"/>
+          <a:stretch>
+            <a:fillRect/>
+          </a:stretch>
+        </p:blipFill>
+        <p:spPr>
+          <a:xfrm>
+            <a:off x="473406" y="5650088"/>
+            <a:ext cx="1972082" cy="650979"/>
+          </a:xfrm>
+          <a:prstGeom prst="rect">
+            <a:avLst/>
+          </a:prstGeom>
+        </p:spPr>
+      </p:pic>
+    </p:spTree>
+    <p:extLst>
+      <p:ext uri="{BB962C8B-B14F-4D97-AF65-F5344CB8AC3E}">
+        <p14:creationId xmlns:p14="http://schemas.microsoft.com/office/powerpoint/2010/main" val="3594522316"/>
+      </p:ext>
+    </p:extLst>
+  </p:cSld>
+  <p:clrMapOvr>
+    <a:masterClrMapping/>
+  </p:clrMapOvr>
+  <p:extLst>
+    <p:ext uri="{DCECCB84-F9BA-43D5-87BE-67443E8EF086}">
+      <p15:sldGuideLst xmlns:p15="http://schemas.microsoft.com/office/powerpoint/2012/main"/>
+    </p:ext>
+  </p:extLst>
+</p:sldLayout>
+</file>
+
 <file path=ppt/slideLayouts/slideLayout4.xml><?xml version="1.0" encoding="utf-8"?>
 <p:sldLayout xmlns:a="http://schemas.openxmlformats.org/drawingml/2006/main" xmlns:r="http://schemas.openxmlformats.org/officeDocument/2006/relationships" xmlns:p="http://schemas.openxmlformats.org/presentationml/2006/main" showMasterSp="0" preserve="1" userDrawn="1">
   <p:cSld name="Action Tips">
@@ -25854,6 +26177,7 @@
     <p:sldLayoutId id="2147483797" r:id="rId34"/>
     <p:sldLayoutId id="2147483814" r:id="rId35"/>
     <p:sldLayoutId id="2147483904" r:id="rId36"/>
+    <p:sldLayoutId id="2147483905" r:id="rId37"/>
   </p:sldLayoutIdLst>
   <p:hf hdr="0" dt="0"/>
   <p:txStyles>
@@ -25912,7 +26236,7 @@
         <a:buSzPct val="125000"/>
         <a:buFontTx/>
         <a:buBlip>
-          <a:blip r:embed="rId38"/>
+          <a:blip r:embed="rId39"/>
         </a:buBlip>
         <a:tabLst/>
         <a:defRPr sz="2000" b="0" kern="1200">
@@ -25937,7 +26261,7 @@
         <a:buSzPct val="120000"/>
         <a:buFontTx/>
         <a:buBlip>
-          <a:blip r:embed="rId38"/>
+          <a:blip r:embed="rId39"/>
         </a:buBlip>
         <a:tabLst/>
         <a:defRPr sz="2000" b="0" i="0" kern="1200">
@@ -25962,7 +26286,7 @@
         <a:buSzPct val="120000"/>
         <a:buFontTx/>
         <a:buBlip>
-          <a:blip r:embed="rId38"/>
+          <a:blip r:embed="rId39"/>
         </a:buBlip>
         <a:tabLst/>
         <a:defRPr sz="2000" b="0" kern="1200">
@@ -25987,7 +26311,7 @@
         <a:buSzPct val="125000"/>
         <a:buFontTx/>
         <a:buBlip>
-          <a:blip r:embed="rId38"/>
+          <a:blip r:embed="rId39"/>
         </a:buBlip>
         <a:tabLst/>
         <a:defRPr sz="2000" b="0" kern="1200">
@@ -26336,26 +26660,13 @@
       </p:grpSpPr>
       <p:sp>
         <p:nvSpPr>
-          <p:cNvPr id="6" name="Text Placeholder 5"/>
-          <p:cNvSpPr>
-            <a:spLocks noGrp="1"/>
-          </p:cNvSpPr>
-          <p:nvPr>
-            <p:ph type="body" sz="quarter" idx="12"/>
-          </p:nvPr>
-        </p:nvSpPr>
-        <p:spPr/>
-        <p:txBody>
-          <a:bodyPr/>
-          <a:lstStyle/>
-          <a:p>
-            <a:endParaRPr lang="en-IN"/>
-          </a:p>
-        </p:txBody>
-      </p:sp>
-      <p:sp>
-        <p:nvSpPr>
-          <p:cNvPr id="4" name="Title 3"/>
+          <p:cNvPr id="4" name="Title 3">
+            <a:extLst>
+              <a:ext uri="{FF2B5EF4-FFF2-40B4-BE49-F238E27FC236}">
+                <a16:creationId xmlns:a16="http://schemas.microsoft.com/office/drawing/2014/main" id="{6B10A2E5-A3AA-7BE3-7C87-983A58C15C46}"/>
+              </a:ext>
+            </a:extLst>
+          </p:cNvPr>
           <p:cNvSpPr>
             <a:spLocks noGrp="1"/>
           </p:cNvSpPr>
@@ -26372,14 +26683,38 @@
               <a:rPr lang="en-US" dirty="0"/>
               <a:t>Static fields and methods</a:t>
             </a:r>
-            <a:endParaRPr lang="en-IN" dirty="0"/>
+          </a:p>
+        </p:txBody>
+      </p:sp>
+      <p:sp>
+        <p:nvSpPr>
+          <p:cNvPr id="3" name="Subtitle 2">
+            <a:extLst>
+              <a:ext uri="{FF2B5EF4-FFF2-40B4-BE49-F238E27FC236}">
+                <a16:creationId xmlns:a16="http://schemas.microsoft.com/office/drawing/2014/main" id="{52534D79-CFC0-C4F4-AD12-F13DBCAB1A97}"/>
+              </a:ext>
+            </a:extLst>
+          </p:cNvPr>
+          <p:cNvSpPr>
+            <a:spLocks noGrp="1"/>
+          </p:cNvSpPr>
+          <p:nvPr>
+            <p:ph type="subTitle" idx="1"/>
+          </p:nvPr>
+        </p:nvSpPr>
+        <p:spPr/>
+        <p:txBody>
+          <a:bodyPr/>
+          <a:lstStyle/>
+          <a:p>
+            <a:endParaRPr lang="en-GB"/>
           </a:p>
         </p:txBody>
       </p:sp>
     </p:spTree>
     <p:extLst>
       <p:ext uri="{BB962C8B-B14F-4D97-AF65-F5344CB8AC3E}">
-        <p14:creationId xmlns:p14="http://schemas.microsoft.com/office/powerpoint/2010/main" val="1088406378"/>
+        <p14:creationId xmlns:p14="http://schemas.microsoft.com/office/powerpoint/2010/main" val="1003932267"/>
       </p:ext>
     </p:extLst>
   </p:cSld>
@@ -36544,6 +36879,15 @@
 </file>
 
 <file path=customXml/item1.xml><?xml version="1.0" encoding="utf-8"?>
+<?mso-contentType ?>
+<FormTemplates xmlns="http://schemas.microsoft.com/sharepoint/v3/contenttype/forms">
+  <Display>DocumentLibraryForm</Display>
+  <Edit>DocumentLibraryForm</Edit>
+  <New>DocumentLibraryForm</New>
+</FormTemplates>
+</file>
+
+<file path=customXml/item2.xml><?xml version="1.0" encoding="utf-8"?>
 <p:properties xmlns:p="http://schemas.microsoft.com/office/2006/metadata/properties" xmlns:xsi="http://www.w3.org/2001/XMLSchema-instance" xmlns:pc="http://schemas.microsoft.com/office/infopath/2007/PartnerControls">
   <documentManagement>
     <SequenceNumber xmlns="6794D9DE-4FDF-4DC0-8B2C-5438320C69D5" xsi:nil="true"/>
@@ -36558,15 +36902,6 @@
     </BookTypeField0>
   </documentManagement>
 </p:properties>
-</file>
-
-<file path=customXml/item2.xml><?xml version="1.0" encoding="utf-8"?>
-<?mso-contentType ?>
-<FormTemplates xmlns="http://schemas.microsoft.com/sharepoint/v3/contenttype/forms">
-  <Display>DocumentLibraryForm</Display>
-  <Edit>DocumentLibraryForm</Edit>
-  <New>DocumentLibraryForm</New>
-</FormTemplates>
 </file>
 
 <file path=customXml/item3.xml><?xml version="1.0" encoding="utf-8"?>
@@ -36710,19 +37045,19 @@
 </file>
 
 <file path=customXml/itemProps1.xml><?xml version="1.0" encoding="utf-8"?>
+<ds:datastoreItem xmlns:ds="http://schemas.openxmlformats.org/officeDocument/2006/customXml" ds:itemID="{DA141400-90D0-43B3-B64F-3F2A440B3515}">
+  <ds:schemaRefs>
+    <ds:schemaRef ds:uri="http://schemas.microsoft.com/sharepoint/v3/contenttype/forms"/>
+  </ds:schemaRefs>
+</ds:datastoreItem>
+</file>
+
+<file path=customXml/itemProps2.xml><?xml version="1.0" encoding="utf-8"?>
 <ds:datastoreItem xmlns:ds="http://schemas.openxmlformats.org/officeDocument/2006/customXml" ds:itemID="{5D50175C-B2BF-4A5C-A0B1-BFF44FE2944E}">
   <ds:schemaRefs>
     <ds:schemaRef ds:uri="http://schemas.microsoft.com/office/2006/metadata/properties"/>
     <ds:schemaRef ds:uri="http://schemas.microsoft.com/office/infopath/2007/PartnerControls"/>
     <ds:schemaRef ds:uri="6794D9DE-4FDF-4DC0-8B2C-5438320C69D5"/>
-  </ds:schemaRefs>
-</ds:datastoreItem>
-</file>
-
-<file path=customXml/itemProps2.xml><?xml version="1.0" encoding="utf-8"?>
-<ds:datastoreItem xmlns:ds="http://schemas.openxmlformats.org/officeDocument/2006/customXml" ds:itemID="{DA141400-90D0-43B3-B64F-3F2A440B3515}">
-  <ds:schemaRefs>
-    <ds:schemaRef ds:uri="http://schemas.microsoft.com/sharepoint/v3/contenttype/forms"/>
   </ds:schemaRefs>
 </ds:datastoreItem>
 </file>

--- a/03-Static fields and methods.pptx
+++ b/03-Static fields and methods.pptx
@@ -29869,13 +29869,14 @@
               <a:alpha val="50000"/>
             </a:srgbClr>
           </a:solidFill>
-          <a:effectLst>
-            <a:outerShdw blurRad="50800" dist="38100" dir="2700000" algn="tl" rotWithShape="0">
-              <a:prstClr val="black">
-                <a:alpha val="40000"/>
-              </a:prstClr>
-            </a:outerShdw>
-          </a:effectLst>
+          <a:ln>
+            <a:solidFill>
+              <a:schemeClr val="bg1">
+                <a:lumMod val="65000"/>
+              </a:schemeClr>
+            </a:solidFill>
+          </a:ln>
+          <a:effectLst/>
         </p:spPr>
         <p:style>
           <a:lnRef idx="0">
@@ -29903,7 +29904,7 @@
                 </a:solidFill>
                 <a:latin typeface="Consolas" panose="020B0609020204030204" pitchFamily="49" charset="0"/>
               </a:rPr>
-              <a:t>name=</a:t>
+              <a:t>name= </a:t>
             </a:r>
             <a:r>
               <a:rPr lang="en-GB" sz="2000" b="1" dirty="0">
@@ -29911,26 +29912,15 @@
                   <a:schemeClr val="tx1"/>
                 </a:solidFill>
                 <a:latin typeface="Consolas" panose="020B0609020204030204" pitchFamily="49" charset="0"/>
-                <a:cs typeface="Arial" pitchFamily="34" charset="0"/>
-              </a:rPr>
-              <a:t> "</a:t>
-            </a:r>
-            <a:r>
-              <a:rPr lang="en-GB" sz="2000" dirty="0">
+              </a:rPr>
+              <a:t>"Bob"</a:t>
+            </a:r>
+            <a:br>
+              <a:rPr lang="en-GB" sz="2000" b="1" dirty="0">
                 <a:solidFill>
                   <a:schemeClr val="tx1"/>
                 </a:solidFill>
-                <a:cs typeface="Arial" pitchFamily="34" charset="0"/>
-              </a:rPr>
-              <a:t>Bob"</a:t>
-            </a:r>
-            <a:br>
-              <a:rPr lang="en-GB" sz="2000" dirty="0">
-                <a:solidFill>
-                  <a:schemeClr val="tx1"/>
-                </a:solidFill>
-                <a:latin typeface="Arial" pitchFamily="34" charset="0"/>
-                <a:cs typeface="Arial" pitchFamily="34" charset="0"/>
+                <a:latin typeface="Consolas" panose="020B0609020204030204" pitchFamily="49" charset="0"/>
               </a:rPr>
             </a:br>
             <a:r>
@@ -29940,16 +29930,7 @@
                 </a:solidFill>
                 <a:latin typeface="Consolas" panose="020B0609020204030204" pitchFamily="49" charset="0"/>
               </a:rPr>
-              <a:t>count=</a:t>
-            </a:r>
-            <a:r>
-              <a:rPr lang="en-GB" sz="2000" dirty="0">
-                <a:solidFill>
-                  <a:schemeClr val="tx1"/>
-                </a:solidFill>
-                <a:cs typeface="Arial" pitchFamily="34" charset="0"/>
-              </a:rPr>
-              <a:t>1</a:t>
+              <a:t>count=1</a:t>
             </a:r>
           </a:p>
         </p:txBody>
@@ -30077,13 +30058,14 @@
               <a:alpha val="50000"/>
             </a:srgbClr>
           </a:solidFill>
-          <a:effectLst>
-            <a:outerShdw blurRad="50800" dist="38100" dir="2700000" algn="tl" rotWithShape="0">
-              <a:prstClr val="black">
-                <a:alpha val="40000"/>
-              </a:prstClr>
-            </a:outerShdw>
-          </a:effectLst>
+          <a:ln>
+            <a:solidFill>
+              <a:schemeClr val="bg1">
+                <a:lumMod val="65000"/>
+              </a:schemeClr>
+            </a:solidFill>
+          </a:ln>
+          <a:effectLst/>
         </p:spPr>
         <p:style>
           <a:lnRef idx="0">
@@ -30111,7 +30093,7 @@
                 </a:solidFill>
                 <a:latin typeface="Consolas" panose="020B0609020204030204" pitchFamily="49" charset="0"/>
               </a:rPr>
-              <a:t>name=</a:t>
+              <a:t>name= </a:t>
             </a:r>
             <a:r>
               <a:rPr lang="en-GB" sz="2000" b="1" dirty="0">
@@ -30119,26 +30101,15 @@
                   <a:schemeClr val="tx1"/>
                 </a:solidFill>
                 <a:latin typeface="Consolas" panose="020B0609020204030204" pitchFamily="49" charset="0"/>
-                <a:cs typeface="Arial" pitchFamily="34" charset="0"/>
-              </a:rPr>
-              <a:t> "</a:t>
-            </a:r>
-            <a:r>
-              <a:rPr lang="en-GB" sz="2000" dirty="0">
+              </a:rPr>
+              <a:t>"Amy"</a:t>
+            </a:r>
+            <a:br>
+              <a:rPr lang="en-GB" sz="2000" b="1" dirty="0">
                 <a:solidFill>
                   <a:schemeClr val="tx1"/>
                 </a:solidFill>
-                <a:cs typeface="Arial" pitchFamily="34" charset="0"/>
-              </a:rPr>
-              <a:t>Amy"</a:t>
-            </a:r>
-            <a:br>
-              <a:rPr lang="en-GB" sz="2000" dirty="0">
-                <a:solidFill>
-                  <a:schemeClr val="tx1"/>
-                </a:solidFill>
-                <a:latin typeface="Arial" pitchFamily="34" charset="0"/>
-                <a:cs typeface="Arial" pitchFamily="34" charset="0"/>
+                <a:latin typeface="Consolas" panose="020B0609020204030204" pitchFamily="49" charset="0"/>
               </a:rPr>
             </a:br>
             <a:r>
@@ -30148,16 +30119,7 @@
                 </a:solidFill>
                 <a:latin typeface="Consolas" panose="020B0609020204030204" pitchFamily="49" charset="0"/>
               </a:rPr>
-              <a:t>count=</a:t>
-            </a:r>
-            <a:r>
-              <a:rPr lang="en-GB" sz="2000" dirty="0">
-                <a:solidFill>
-                  <a:schemeClr val="tx1"/>
-                </a:solidFill>
-                <a:cs typeface="Arial" pitchFamily="34" charset="0"/>
-              </a:rPr>
-              <a:t>1</a:t>
+              <a:t>count=1</a:t>
             </a:r>
           </a:p>
         </p:txBody>
@@ -31930,7 +31892,7 @@
         </p:nvSpPr>
         <p:spPr>
           <a:xfrm>
-            <a:off x="2230297" y="1711466"/>
+            <a:off x="2250630" y="1711466"/>
             <a:ext cx="2277918" cy="1548058"/>
           </a:xfrm>
           <a:prstGeom prst="ellipse">
@@ -31941,13 +31903,14 @@
               <a:alpha val="50000"/>
             </a:srgbClr>
           </a:solidFill>
-          <a:effectLst>
-            <a:outerShdw blurRad="50800" dist="38100" dir="2700000" algn="tl" rotWithShape="0">
-              <a:prstClr val="black">
-                <a:alpha val="40000"/>
-              </a:prstClr>
-            </a:outerShdw>
-          </a:effectLst>
+          <a:ln>
+            <a:solidFill>
+              <a:schemeClr val="bg1">
+                <a:lumMod val="65000"/>
+              </a:schemeClr>
+            </a:solidFill>
+          </a:ln>
+          <a:effectLst/>
         </p:spPr>
         <p:style>
           <a:lnRef idx="0">
@@ -32024,13 +31987,14 @@
               <a:alpha val="50000"/>
             </a:srgbClr>
           </a:solidFill>
-          <a:effectLst>
-            <a:outerShdw blurRad="50800" dist="38100" dir="2700000" algn="tl" rotWithShape="0">
-              <a:prstClr val="black">
-                <a:alpha val="40000"/>
-              </a:prstClr>
-            </a:outerShdw>
-          </a:effectLst>
+          <a:ln>
+            <a:solidFill>
+              <a:schemeClr val="bg1">
+                <a:lumMod val="65000"/>
+              </a:schemeClr>
+            </a:solidFill>
+          </a:ln>
+          <a:effectLst/>
         </p:spPr>
         <p:style>
           <a:lnRef idx="0">
@@ -36879,32 +36843,6 @@
 </file>
 
 <file path=customXml/item1.xml><?xml version="1.0" encoding="utf-8"?>
-<?mso-contentType ?>
-<FormTemplates xmlns="http://schemas.microsoft.com/sharepoint/v3/contenttype/forms">
-  <Display>DocumentLibraryForm</Display>
-  <Edit>DocumentLibraryForm</Edit>
-  <New>DocumentLibraryForm</New>
-</FormTemplates>
-</file>
-
-<file path=customXml/item2.xml><?xml version="1.0" encoding="utf-8"?>
-<p:properties xmlns:p="http://schemas.microsoft.com/office/2006/metadata/properties" xmlns:xsi="http://www.w3.org/2001/XMLSchema-instance" xmlns:pc="http://schemas.microsoft.com/office/infopath/2007/PartnerControls">
-  <documentManagement>
-    <SequenceNumber xmlns="6794D9DE-4FDF-4DC0-8B2C-5438320C69D5" xsi:nil="true"/>
-    <IsBuildFile xmlns="6794D9DE-4FDF-4DC0-8B2C-5438320C69D5" xsi:nil="true"/>
-    <BookTypeField0 xmlns="6794D9DE-4FDF-4DC0-8B2C-5438320C69D5">
-      <Terms xmlns="http://schemas.microsoft.com/office/infopath/2007/PartnerControls">
-        <TermInfo xmlns="http://schemas.microsoft.com/office/infopath/2007/PartnerControls">
-          <TermName xmlns="http://schemas.microsoft.com/office/infopath/2007/PartnerControls">IK</TermName>
-          <TermId xmlns="http://schemas.microsoft.com/office/infopath/2007/PartnerControls">5abe6401-e87a-4499-80b4-3d21a1a6ebd7</TermId>
-        </TermInfo>
-      </Terms>
-    </BookTypeField0>
-  </documentManagement>
-</p:properties>
-</file>
-
-<file path=customXml/item3.xml><?xml version="1.0" encoding="utf-8"?>
 <ct:contentTypeSchema xmlns:ct="http://schemas.microsoft.com/office/2006/metadata/contentType" xmlns:ma="http://schemas.microsoft.com/office/2006/metadata/properties/metaAttributes" ct:_="" ma:_="" ma:contentTypeName="Courseware" ma:contentTypeID="0x010100F0967B7CEE8D417F966757887D9466FB00B3EF5B1D149FDF49B1880C030D548140" ma:contentTypeVersion="0" ma:contentTypeDescription="Base content type which represents courseware documents" ma:contentTypeScope="" ma:versionID="ab0d7ca79e0ea5a537b031f986da336c">
   <xsd:schema xmlns:xsd="http://www.w3.org/2001/XMLSchema" xmlns:xs="http://www.w3.org/2001/XMLSchema" xmlns:p="http://schemas.microsoft.com/office/2006/metadata/properties" xmlns:ns2="6794D9DE-4FDF-4DC0-8B2C-5438320C69D5" targetNamespace="http://schemas.microsoft.com/office/2006/metadata/properties" ma:root="true" ma:fieldsID="7ff8e7c62cc10108c036e94c947d8fb9" ns2:_="">
     <xsd:import namespace="6794D9DE-4FDF-4DC0-8B2C-5438320C69D5"/>
@@ -37044,10 +36982,46 @@
 </ct:contentTypeSchema>
 </file>
 
+<file path=customXml/item2.xml><?xml version="1.0" encoding="utf-8"?>
+<p:properties xmlns:p="http://schemas.microsoft.com/office/2006/metadata/properties" xmlns:xsi="http://www.w3.org/2001/XMLSchema-instance" xmlns:pc="http://schemas.microsoft.com/office/infopath/2007/PartnerControls">
+  <documentManagement>
+    <SequenceNumber xmlns="6794D9DE-4FDF-4DC0-8B2C-5438320C69D5" xsi:nil="true"/>
+    <IsBuildFile xmlns="6794D9DE-4FDF-4DC0-8B2C-5438320C69D5" xsi:nil="true"/>
+    <BookTypeField0 xmlns="6794D9DE-4FDF-4DC0-8B2C-5438320C69D5">
+      <Terms xmlns="http://schemas.microsoft.com/office/infopath/2007/PartnerControls">
+        <TermInfo xmlns="http://schemas.microsoft.com/office/infopath/2007/PartnerControls">
+          <TermName xmlns="http://schemas.microsoft.com/office/infopath/2007/PartnerControls">IK</TermName>
+          <TermId xmlns="http://schemas.microsoft.com/office/infopath/2007/PartnerControls">5abe6401-e87a-4499-80b4-3d21a1a6ebd7</TermId>
+        </TermInfo>
+      </Terms>
+    </BookTypeField0>
+  </documentManagement>
+</p:properties>
+</file>
+
+<file path=customXml/item3.xml><?xml version="1.0" encoding="utf-8"?>
+<?mso-contentType ?>
+<FormTemplates xmlns="http://schemas.microsoft.com/sharepoint/v3/contenttype/forms">
+  <Display>DocumentLibraryForm</Display>
+  <Edit>DocumentLibraryForm</Edit>
+  <New>DocumentLibraryForm</New>
+</FormTemplates>
+</file>
+
 <file path=customXml/itemProps1.xml><?xml version="1.0" encoding="utf-8"?>
-<ds:datastoreItem xmlns:ds="http://schemas.openxmlformats.org/officeDocument/2006/customXml" ds:itemID="{DA141400-90D0-43B3-B64F-3F2A440B3515}">
+<ds:datastoreItem xmlns:ds="http://schemas.openxmlformats.org/officeDocument/2006/customXml" ds:itemID="{3271DF08-82F2-4A02-867C-B628BF8B692B}">
   <ds:schemaRefs>
-    <ds:schemaRef ds:uri="http://schemas.microsoft.com/sharepoint/v3/contenttype/forms"/>
+    <ds:schemaRef ds:uri="http://schemas.microsoft.com/office/2006/metadata/contentType"/>
+    <ds:schemaRef ds:uri="http://schemas.microsoft.com/office/2006/metadata/properties/metaAttributes"/>
+    <ds:schemaRef ds:uri="http://www.w3.org/2001/XMLSchema"/>
+    <ds:schemaRef ds:uri="http://schemas.microsoft.com/office/2006/metadata/properties"/>
+    <ds:schemaRef ds:uri="6794D9DE-4FDF-4DC0-8B2C-5438320C69D5"/>
+    <ds:schemaRef ds:uri="http://schemas.microsoft.com/office/2006/documentManagement/types"/>
+    <ds:schemaRef ds:uri="http://schemas.microsoft.com/office/infopath/2007/PartnerControls"/>
+    <ds:schemaRef ds:uri="http://schemas.openxmlformats.org/package/2006/metadata/core-properties"/>
+    <ds:schemaRef ds:uri="http://purl.org/dc/elements/1.1/"/>
+    <ds:schemaRef ds:uri="http://purl.org/dc/terms/"/>
+    <ds:schemaRef ds:uri="http://schemas.microsoft.com/internal/obd"/>
   </ds:schemaRefs>
 </ds:datastoreItem>
 </file>
@@ -37063,19 +37037,9 @@
 </file>
 
 <file path=customXml/itemProps3.xml><?xml version="1.0" encoding="utf-8"?>
-<ds:datastoreItem xmlns:ds="http://schemas.openxmlformats.org/officeDocument/2006/customXml" ds:itemID="{3271DF08-82F2-4A02-867C-B628BF8B692B}">
+<ds:datastoreItem xmlns:ds="http://schemas.openxmlformats.org/officeDocument/2006/customXml" ds:itemID="{DA141400-90D0-43B3-B64F-3F2A440B3515}">
   <ds:schemaRefs>
-    <ds:schemaRef ds:uri="http://schemas.microsoft.com/office/2006/metadata/contentType"/>
-    <ds:schemaRef ds:uri="http://schemas.microsoft.com/office/2006/metadata/properties/metaAttributes"/>
-    <ds:schemaRef ds:uri="http://www.w3.org/2001/XMLSchema"/>
-    <ds:schemaRef ds:uri="http://schemas.microsoft.com/office/2006/metadata/properties"/>
-    <ds:schemaRef ds:uri="6794D9DE-4FDF-4DC0-8B2C-5438320C69D5"/>
-    <ds:schemaRef ds:uri="http://schemas.microsoft.com/office/2006/documentManagement/types"/>
-    <ds:schemaRef ds:uri="http://schemas.microsoft.com/office/infopath/2007/PartnerControls"/>
-    <ds:schemaRef ds:uri="http://schemas.openxmlformats.org/package/2006/metadata/core-properties"/>
-    <ds:schemaRef ds:uri="http://purl.org/dc/elements/1.1/"/>
-    <ds:schemaRef ds:uri="http://purl.org/dc/terms/"/>
-    <ds:schemaRef ds:uri="http://schemas.microsoft.com/internal/obd"/>
+    <ds:schemaRef ds:uri="http://schemas.microsoft.com/sharepoint/v3/contenttype/forms"/>
   </ds:schemaRefs>
 </ds:datastoreItem>
 </file>
--- a/03-Static fields and methods.pptx
+++ b/03-Static fields and methods.pptx
@@ -3037,7 +3037,7 @@
           <a:p>
             <a:fld id="{86D088FE-3E68-47FE-8BA4-634CD34BABBC}" type="datetimeFigureOut">
               <a:rPr lang="en-GB" smtClean="0"/>
-              <a:t>05/12/2025</a:t>
+              <a:t>09/12/2025</a:t>
             </a:fld>
             <a:endParaRPr lang="en-GB"/>
           </a:p>
@@ -3202,7 +3202,7 @@
           <a:p>
             <a:fld id="{1D6B66C6-1E92-0F4E-A300-9D4ED1F0C23F}" type="datetimeFigureOut">
               <a:rPr lang="en-GB" smtClean="0"/>
-              <a:t>05/12/2025</a:t>
+              <a:t>09/12/2025</a:t>
             </a:fld>
             <a:endParaRPr lang="en-GB"/>
           </a:p>
@@ -26959,6 +26959,24 @@
               <a:t>public </a:t>
             </a:r>
             <a:r>
+              <a:rPr lang="en-GB" sz="2000" b="1" dirty="0" err="1">
+                <a:solidFill>
+                  <a:srgbClr val="0000FF"/>
+                </a:solidFill>
+                <a:latin typeface="Consolas" panose="020B0609020204030204" pitchFamily="49" charset="0"/>
+              </a:rPr>
+              <a:t>readonly</a:t>
+            </a:r>
+            <a:r>
+              <a:rPr lang="en-GB" sz="1800" dirty="0">
+                <a:solidFill>
+                  <a:srgbClr val="0000FF"/>
+                </a:solidFill>
+                <a:latin typeface="Consolas" panose="020B0609020204030204" pitchFamily="49" charset="0"/>
+              </a:rPr>
+              <a:t> </a:t>
+            </a:r>
+            <a:r>
               <a:rPr lang="en-GB" dirty="0">
                 <a:solidFill>
                   <a:srgbClr val="000000"/>
@@ -28271,8 +28289,8 @@
         </p:nvSpPr>
         <p:spPr bwMode="auto">
           <a:xfrm>
-            <a:off x="1040668" y="1515118"/>
-            <a:ext cx="9708612" cy="4521751"/>
+            <a:off x="1040667" y="1515118"/>
+            <a:ext cx="10043343" cy="3829253"/>
           </a:xfrm>
           <a:prstGeom prst="rect">
             <a:avLst/>
@@ -28328,7 +28346,7 @@
                 </a:solidFill>
                 <a:latin typeface="Lucida Console" pitchFamily="49" charset="0"/>
               </a:rPr>
-              <a:t> Car {</a:t>
+              <a:t> Product {</a:t>
             </a:r>
           </a:p>
           <a:p>
@@ -28401,7 +28419,25 @@
                 </a:solidFill>
                 <a:latin typeface="Lucida Console" pitchFamily="49" charset="0"/>
               </a:rPr>
-              <a:t>double VAT = 0.2;</a:t>
+              <a:t>double </a:t>
+            </a:r>
+            <a:r>
+              <a:rPr lang="en-GB" b="1" dirty="0">
+                <a:solidFill>
+                  <a:srgbClr val="000000"/>
+                </a:solidFill>
+                <a:latin typeface="Lucida Console" pitchFamily="49" charset="0"/>
+              </a:rPr>
+              <a:t>DISCOUNT</a:t>
+            </a:r>
+            <a:r>
+              <a:rPr lang="en-GB" dirty="0">
+                <a:solidFill>
+                  <a:srgbClr val="000000"/>
+                </a:solidFill>
+                <a:latin typeface="Lucida Console" pitchFamily="49" charset="0"/>
+              </a:rPr>
+              <a:t> = 0.1;</a:t>
             </a:r>
           </a:p>
           <a:p>
@@ -28438,7 +28474,7 @@
                 </a:solidFill>
                 <a:latin typeface="Lucida Console" pitchFamily="49" charset="0"/>
               </a:rPr>
-              <a:t>  </a:t>
+              <a:t>❌  </a:t>
             </a:r>
             <a:r>
               <a:rPr lang="en-GB" dirty="0">
@@ -28531,6 +28567,9 @@
           </a:p>
           <a:p>
             <a:pPr defTabSz="739775" eaLnBrk="0" hangingPunct="0">
+              <a:lnSpc>
+                <a:spcPct val="150000"/>
+              </a:lnSpc>
               <a:tabLst>
                 <a:tab pos="341313" algn="l"/>
                 <a:tab pos="690563" algn="l"/>
@@ -28564,7 +28603,7 @@
                 </a:solidFill>
                 <a:latin typeface="Lucida Console" pitchFamily="49" charset="0"/>
               </a:rPr>
-              <a:t> Car() {	</a:t>
+              <a:t> Product() {	</a:t>
             </a:r>
             <a:br>
               <a:rPr lang="en-GB" dirty="0">
@@ -28581,7 +28620,25 @@
                 </a:solidFill>
                 <a:latin typeface="Lucida Console" pitchFamily="49" charset="0"/>
               </a:rPr>
-              <a:t>     VAT = 0.15;</a:t>
+              <a:t> 		</a:t>
+            </a:r>
+            <a:r>
+              <a:rPr lang="en-GB" b="1" dirty="0">
+                <a:solidFill>
+                  <a:srgbClr val="000000"/>
+                </a:solidFill>
+                <a:latin typeface="Lucida Console" pitchFamily="49" charset="0"/>
+              </a:rPr>
+              <a:t>DISCOUNT</a:t>
+            </a:r>
+            <a:r>
+              <a:rPr lang="en-GB" dirty="0">
+                <a:solidFill>
+                  <a:srgbClr val="000000"/>
+                </a:solidFill>
+                <a:latin typeface="Lucida Console" pitchFamily="49" charset="0"/>
+              </a:rPr>
+              <a:t> = 0.15; ❌</a:t>
             </a:r>
             <a:br>
               <a:rPr lang="en-GB" dirty="0">
@@ -28635,161 +28692,6 @@
                 </a:solidFill>
                 <a:latin typeface="Lucida Console" pitchFamily="49" charset="0"/>
               </a:rPr>
-              <a:t>  </a:t>
-            </a:r>
-            <a:r>
-              <a:rPr lang="en-GB" dirty="0">
-                <a:solidFill>
-                  <a:srgbClr val="0000C8"/>
-                </a:solidFill>
-                <a:latin typeface="Lucida Console" pitchFamily="49" charset="0"/>
-              </a:rPr>
-              <a:t>public</a:t>
-            </a:r>
-            <a:r>
-              <a:rPr lang="en-GB" dirty="0">
-                <a:solidFill>
-                  <a:srgbClr val="000000"/>
-                </a:solidFill>
-                <a:latin typeface="Lucida Console" pitchFamily="49" charset="0"/>
-              </a:rPr>
-              <a:t> </a:t>
-            </a:r>
-            <a:r>
-              <a:rPr lang="en-GB" sz="1800" dirty="0">
-                <a:solidFill>
-                  <a:srgbClr val="0000FF"/>
-                </a:solidFill>
-                <a:latin typeface="Cascadia Mono" panose="020B0609020000020004" pitchFamily="49" charset="0"/>
-              </a:rPr>
-              <a:t>void</a:t>
-            </a:r>
-            <a:r>
-              <a:rPr lang="en-GB" sz="1800" dirty="0">
-                <a:solidFill>
-                  <a:srgbClr val="000000"/>
-                </a:solidFill>
-                <a:latin typeface="Cascadia Mono" panose="020B0609020000020004" pitchFamily="49" charset="0"/>
-              </a:rPr>
-              <a:t> </a:t>
-            </a:r>
-            <a:r>
-              <a:rPr lang="en-GB" dirty="0" err="1">
-                <a:solidFill>
-                  <a:srgbClr val="000000"/>
-                </a:solidFill>
-                <a:latin typeface="Lucida Console" pitchFamily="49" charset="0"/>
-              </a:rPr>
-              <a:t>ChangeYearOfCreation</a:t>
-            </a:r>
-            <a:r>
-              <a:rPr lang="en-GB" dirty="0">
-                <a:solidFill>
-                  <a:srgbClr val="000000"/>
-                </a:solidFill>
-                <a:latin typeface="Lucida Console" pitchFamily="49" charset="0"/>
-              </a:rPr>
-              <a:t>() {	</a:t>
-            </a:r>
-            <a:br>
-              <a:rPr lang="en-GB" dirty="0">
-                <a:solidFill>
-                  <a:srgbClr val="000000"/>
-                </a:solidFill>
-                <a:latin typeface="Lucida Console" pitchFamily="49" charset="0"/>
-              </a:rPr>
-            </a:br>
-            <a:endParaRPr lang="en-GB" dirty="0">
-              <a:solidFill>
-                <a:srgbClr val="000000"/>
-              </a:solidFill>
-              <a:latin typeface="Lucida Console" pitchFamily="49" charset="0"/>
-            </a:endParaRPr>
-          </a:p>
-          <a:p>
-            <a:pPr defTabSz="739775" eaLnBrk="0" hangingPunct="0">
-              <a:tabLst>
-                <a:tab pos="341313" algn="l"/>
-                <a:tab pos="690563" algn="l"/>
-                <a:tab pos="1030288" algn="l"/>
-                <a:tab pos="1371600" algn="l"/>
-              </a:tabLst>
-              <a:defRPr/>
-            </a:pPr>
-            <a:r>
-              <a:rPr lang="en-GB" dirty="0">
-                <a:solidFill>
-                  <a:srgbClr val="000000"/>
-                </a:solidFill>
-                <a:latin typeface="Lucida Console" pitchFamily="49" charset="0"/>
-              </a:rPr>
-              <a:t>     </a:t>
-            </a:r>
-            <a:r>
-              <a:rPr lang="en-GB" b="1" dirty="0" err="1">
-                <a:solidFill>
-                  <a:srgbClr val="000000"/>
-                </a:solidFill>
-                <a:latin typeface="Lucida Console" pitchFamily="49" charset="0"/>
-              </a:rPr>
-              <a:t>yearOfCreation</a:t>
-            </a:r>
-            <a:r>
-              <a:rPr lang="en-GB" b="1" dirty="0">
-                <a:solidFill>
-                  <a:srgbClr val="000000"/>
-                </a:solidFill>
-                <a:latin typeface="Lucida Console" pitchFamily="49" charset="0"/>
-              </a:rPr>
-              <a:t>++</a:t>
-            </a:r>
-            <a:r>
-              <a:rPr lang="en-GB" dirty="0">
-                <a:solidFill>
-                  <a:srgbClr val="000000"/>
-                </a:solidFill>
-                <a:latin typeface="Lucida Console" pitchFamily="49" charset="0"/>
-              </a:rPr>
-              <a:t>; </a:t>
-            </a:r>
-          </a:p>
-          <a:p>
-            <a:pPr defTabSz="739775" eaLnBrk="0" hangingPunct="0">
-              <a:tabLst>
-                <a:tab pos="341313" algn="l"/>
-                <a:tab pos="690563" algn="l"/>
-                <a:tab pos="1030288" algn="l"/>
-                <a:tab pos="1371600" algn="l"/>
-              </a:tabLst>
-              <a:defRPr/>
-            </a:pPr>
-            <a:r>
-              <a:rPr lang="en-GB" dirty="0">
-                <a:solidFill>
-                  <a:srgbClr val="000000"/>
-                </a:solidFill>
-                <a:latin typeface="Lucida Console" pitchFamily="49" charset="0"/>
-              </a:rPr>
-              <a:t>  }</a:t>
-            </a:r>
-          </a:p>
-          <a:p>
-            <a:pPr defTabSz="739775" eaLnBrk="0" hangingPunct="0">
-              <a:tabLst>
-                <a:tab pos="341313" algn="l"/>
-                <a:tab pos="690563" algn="l"/>
-                <a:tab pos="1030288" algn="l"/>
-                <a:tab pos="1371600" algn="l"/>
-              </a:tabLst>
-              <a:defRPr/>
-            </a:pPr>
-            <a:r>
-              <a:rPr lang="en-GB" dirty="0">
-                <a:solidFill>
-                  <a:srgbClr val="000000"/>
-                </a:solidFill>
-                <a:latin typeface="Lucida Console" pitchFamily="49" charset="0"/>
-              </a:rPr>
               <a:t>}</a:t>
             </a:r>
             <a:endParaRPr lang="en-GB" dirty="0">
@@ -28798,58 +28700,6 @@
               </a:solidFill>
               <a:latin typeface="Lucida Console" pitchFamily="49" charset="0"/>
             </a:endParaRPr>
-          </a:p>
-        </p:txBody>
-      </p:sp>
-      <p:sp>
-        <p:nvSpPr>
-          <p:cNvPr id="2" name="Rectangle 21">
-            <a:extLst>
-              <a:ext uri="{FF2B5EF4-FFF2-40B4-BE49-F238E27FC236}">
-                <a16:creationId xmlns:a16="http://schemas.microsoft.com/office/drawing/2014/main" id="{3CA1CBA6-221F-594E-64AB-CCAB613AAAEF}"/>
-              </a:ext>
-            </a:extLst>
-          </p:cNvPr>
-          <p:cNvSpPr>
-            <a:spLocks noChangeArrowheads="1"/>
-          </p:cNvSpPr>
-          <p:nvPr/>
-        </p:nvSpPr>
-        <p:spPr bwMode="auto">
-          <a:xfrm>
-            <a:off x="3401937" y="3626654"/>
-            <a:ext cx="476250" cy="698500"/>
-          </a:xfrm>
-          <a:prstGeom prst="rect">
-            <a:avLst/>
-          </a:prstGeom>
-          <a:noFill/>
-          <a:ln w="12700">
-            <a:noFill/>
-            <a:miter lim="800000"/>
-            <a:headEnd/>
-            <a:tailEnd/>
-          </a:ln>
-          <a:effectLst/>
-        </p:spPr>
-        <p:txBody>
-          <a:bodyPr lIns="90488" tIns="44450" rIns="90488" bIns="44450">
-            <a:spAutoFit/>
-          </a:bodyPr>
-          <a:lstStyle/>
-          <a:p>
-            <a:pPr defTabSz="739775" eaLnBrk="0" hangingPunct="0">
-              <a:defRPr/>
-            </a:pPr>
-            <a:r>
-              <a:rPr lang="en-US" sz="4000" dirty="0">
-                <a:solidFill>
-                  <a:srgbClr val="FF3300"/>
-                </a:solidFill>
-                <a:latin typeface="Wingdings" pitchFamily="2" charset="2"/>
-              </a:rPr>
-              <a:t></a:t>
-            </a:r>
           </a:p>
         </p:txBody>
       </p:sp>
@@ -28867,7 +28717,7 @@
         </p:nvSpPr>
         <p:spPr>
           <a:xfrm>
-            <a:off x="4346817" y="3248735"/>
+            <a:off x="5063509" y="3647440"/>
             <a:ext cx="4817503" cy="398705"/>
           </a:xfrm>
           <a:prstGeom prst="wedgeRoundRectCallout">
@@ -28937,7 +28787,7 @@
         </p:nvSpPr>
         <p:spPr>
           <a:xfrm>
-            <a:off x="6023217" y="2062479"/>
+            <a:off x="6661070" y="2049412"/>
             <a:ext cx="4248543" cy="398705"/>
           </a:xfrm>
           <a:prstGeom prst="wedgeRoundRectCallout">
@@ -29007,7 +28857,7 @@
         </p:nvSpPr>
         <p:spPr>
           <a:xfrm>
-            <a:off x="6968097" y="2682239"/>
+            <a:off x="7141092" y="2682239"/>
             <a:ext cx="3029343" cy="398705"/>
           </a:xfrm>
           <a:prstGeom prst="wedgeRoundRectCallout">
@@ -29062,58 +28912,6 @@
                 </a:solidFill>
               </a:rPr>
               <a:t>Has to be a constant value</a:t>
-            </a:r>
-          </a:p>
-        </p:txBody>
-      </p:sp>
-      <p:sp>
-        <p:nvSpPr>
-          <p:cNvPr id="8" name="Rectangle 21">
-            <a:extLst>
-              <a:ext uri="{FF2B5EF4-FFF2-40B4-BE49-F238E27FC236}">
-                <a16:creationId xmlns:a16="http://schemas.microsoft.com/office/drawing/2014/main" id="{E20C08C5-1A40-16B3-02E9-CE38F6DE1D44}"/>
-              </a:ext>
-            </a:extLst>
-          </p:cNvPr>
-          <p:cNvSpPr>
-            <a:spLocks noChangeArrowheads="1"/>
-          </p:cNvSpPr>
-          <p:nvPr/>
-        </p:nvSpPr>
-        <p:spPr bwMode="auto">
-          <a:xfrm>
-            <a:off x="933057" y="2488734"/>
-            <a:ext cx="476250" cy="698500"/>
-          </a:xfrm>
-          <a:prstGeom prst="rect">
-            <a:avLst/>
-          </a:prstGeom>
-          <a:noFill/>
-          <a:ln w="12700">
-            <a:noFill/>
-            <a:miter lim="800000"/>
-            <a:headEnd/>
-            <a:tailEnd/>
-          </a:ln>
-          <a:effectLst/>
-        </p:spPr>
-        <p:txBody>
-          <a:bodyPr lIns="90488" tIns="44450" rIns="90488" bIns="44450">
-            <a:spAutoFit/>
-          </a:bodyPr>
-          <a:lstStyle/>
-          <a:p>
-            <a:pPr defTabSz="739775" eaLnBrk="0" hangingPunct="0">
-              <a:defRPr/>
-            </a:pPr>
-            <a:r>
-              <a:rPr lang="en-US" sz="4000" dirty="0">
-                <a:solidFill>
-                  <a:srgbClr val="FF3300"/>
-                </a:solidFill>
-                <a:latin typeface="Wingdings" pitchFamily="2" charset="2"/>
-              </a:rPr>
-              <a:t></a:t>
             </a:r>
           </a:p>
         </p:txBody>
@@ -29810,6 +29608,13 @@
               <a:srgbClr val="004050"/>
             </a:solidFill>
           </a:ln>
+          <a:effectLst>
+            <a:innerShdw blurRad="63500" dist="50800" dir="13500000">
+              <a:prstClr val="black">
+                <a:alpha val="50000"/>
+              </a:prstClr>
+            </a:innerShdw>
+          </a:effectLst>
         </p:spPr>
         <p:style>
           <a:lnRef idx="2">
@@ -29999,6 +29804,13 @@
               <a:srgbClr val="004050"/>
             </a:solidFill>
           </a:ln>
+          <a:effectLst>
+            <a:innerShdw blurRad="63500" dist="50800" dir="13500000">
+              <a:prstClr val="black">
+                <a:alpha val="50000"/>
+              </a:prstClr>
+            </a:innerShdw>
+          </a:effectLst>
         </p:spPr>
         <p:style>
           <a:lnRef idx="2">
@@ -30780,6 +30592,13 @@
               <a:srgbClr val="004050"/>
             </a:solidFill>
           </a:ln>
+          <a:effectLst>
+            <a:innerShdw blurRad="63500" dist="50800" dir="13500000">
+              <a:prstClr val="black">
+                <a:alpha val="50000"/>
+              </a:prstClr>
+            </a:innerShdw>
+          </a:effectLst>
         </p:spPr>
         <p:style>
           <a:lnRef idx="2">
@@ -30803,7 +30622,7 @@
           <a:p>
             <a:pPr algn="ctr"/>
             <a:r>
-              <a:rPr lang="en-GB" b="1" dirty="0">
+              <a:rPr lang="en-GB" dirty="0">
                 <a:solidFill>
                   <a:schemeClr val="tx1"/>
                 </a:solidFill>
@@ -30811,12 +30630,6 @@
               </a:rPr>
               <a:t>stu1</a:t>
             </a:r>
-            <a:endParaRPr lang="en-GB" sz="1600" b="1" dirty="0">
-              <a:solidFill>
-                <a:schemeClr val="tx1"/>
-              </a:solidFill>
-              <a:cs typeface="Arial" pitchFamily="34" charset="0"/>
-            </a:endParaRPr>
           </a:p>
         </p:txBody>
       </p:sp>
@@ -30884,6 +30697,13 @@
               <a:srgbClr val="004050"/>
             </a:solidFill>
           </a:ln>
+          <a:effectLst>
+            <a:innerShdw blurRad="63500" dist="50800" dir="13500000">
+              <a:prstClr val="black">
+                <a:alpha val="50000"/>
+              </a:prstClr>
+            </a:innerShdw>
+          </a:effectLst>
         </p:spPr>
         <p:style>
           <a:lnRef idx="2">
@@ -30907,7 +30727,7 @@
           <a:p>
             <a:pPr algn="ctr"/>
             <a:r>
-              <a:rPr lang="en-GB" b="1" dirty="0">
+              <a:rPr lang="en-GB" dirty="0">
                 <a:solidFill>
                   <a:schemeClr val="tx1"/>
                 </a:solidFill>
@@ -30915,12 +30735,6 @@
               </a:rPr>
               <a:t>stu2</a:t>
             </a:r>
-            <a:endParaRPr lang="en-GB" sz="1600" b="1" dirty="0">
-              <a:solidFill>
-                <a:schemeClr val="tx1"/>
-              </a:solidFill>
-              <a:cs typeface="Arial" pitchFamily="34" charset="0"/>
-            </a:endParaRPr>
           </a:p>
         </p:txBody>
       </p:sp>
@@ -35197,16 +35011,25 @@
                 </a:solidFill>
                 <a:latin typeface="Lucida Console" pitchFamily="49" charset="0"/>
               </a:rPr>
-              <a:t>    </a:t>
+              <a:t> 	  </a:t>
             </a:r>
             <a:r>
               <a:rPr lang="en-GB" dirty="0" err="1">
                 <a:solidFill>
+                  <a:srgbClr val="000000"/>
+                </a:solidFill>
+                <a:latin typeface="Lucida Console" pitchFamily="49" charset="0"/>
+              </a:rPr>
+              <a:t>aCar</a:t>
+            </a:r>
+            <a:r>
+              <a:rPr lang="en-GB" dirty="0" err="1">
+                <a:solidFill>
                   <a:srgbClr val="FF0000"/>
                 </a:solidFill>
                 <a:latin typeface="Lucida Console" pitchFamily="49" charset="0"/>
               </a:rPr>
-              <a:t>aCar.setOwner</a:t>
+              <a:t>.setOwner</a:t>
             </a:r>
             <a:r>
               <a:rPr lang="en-GB" dirty="0">
@@ -35221,7 +35044,7 @@
                 </a:solidFill>
                 <a:latin typeface="Lucida Console" pitchFamily="49" charset="0"/>
               </a:rPr>
-              <a:t>“Tom“);</a:t>
+              <a:t>"Tom");</a:t>
             </a:r>
           </a:p>
           <a:p>
@@ -36843,6 +36666,32 @@
 </file>
 
 <file path=customXml/item1.xml><?xml version="1.0" encoding="utf-8"?>
+<?mso-contentType ?>
+<FormTemplates xmlns="http://schemas.microsoft.com/sharepoint/v3/contenttype/forms">
+  <Display>DocumentLibraryForm</Display>
+  <Edit>DocumentLibraryForm</Edit>
+  <New>DocumentLibraryForm</New>
+</FormTemplates>
+</file>
+
+<file path=customXml/item2.xml><?xml version="1.0" encoding="utf-8"?>
+<p:properties xmlns:p="http://schemas.microsoft.com/office/2006/metadata/properties" xmlns:xsi="http://www.w3.org/2001/XMLSchema-instance" xmlns:pc="http://schemas.microsoft.com/office/infopath/2007/PartnerControls">
+  <documentManagement>
+    <SequenceNumber xmlns="6794D9DE-4FDF-4DC0-8B2C-5438320C69D5" xsi:nil="true"/>
+    <IsBuildFile xmlns="6794D9DE-4FDF-4DC0-8B2C-5438320C69D5" xsi:nil="true"/>
+    <BookTypeField0 xmlns="6794D9DE-4FDF-4DC0-8B2C-5438320C69D5">
+      <Terms xmlns="http://schemas.microsoft.com/office/infopath/2007/PartnerControls">
+        <TermInfo xmlns="http://schemas.microsoft.com/office/infopath/2007/PartnerControls">
+          <TermName xmlns="http://schemas.microsoft.com/office/infopath/2007/PartnerControls">IK</TermName>
+          <TermId xmlns="http://schemas.microsoft.com/office/infopath/2007/PartnerControls">5abe6401-e87a-4499-80b4-3d21a1a6ebd7</TermId>
+        </TermInfo>
+      </Terms>
+    </BookTypeField0>
+  </documentManagement>
+</p:properties>
+</file>
+
+<file path=customXml/item3.xml><?xml version="1.0" encoding="utf-8"?>
 <ct:contentTypeSchema xmlns:ct="http://schemas.microsoft.com/office/2006/metadata/contentType" xmlns:ma="http://schemas.microsoft.com/office/2006/metadata/properties/metaAttributes" ct:_="" ma:_="" ma:contentTypeName="Courseware" ma:contentTypeID="0x010100F0967B7CEE8D417F966757887D9466FB00B3EF5B1D149FDF49B1880C030D548140" ma:contentTypeVersion="0" ma:contentTypeDescription="Base content type which represents courseware documents" ma:contentTypeScope="" ma:versionID="ab0d7ca79e0ea5a537b031f986da336c">
   <xsd:schema xmlns:xsd="http://www.w3.org/2001/XMLSchema" xmlns:xs="http://www.w3.org/2001/XMLSchema" xmlns:p="http://schemas.microsoft.com/office/2006/metadata/properties" xmlns:ns2="6794D9DE-4FDF-4DC0-8B2C-5438320C69D5" targetNamespace="http://schemas.microsoft.com/office/2006/metadata/properties" ma:root="true" ma:fieldsID="7ff8e7c62cc10108c036e94c947d8fb9" ns2:_="">
     <xsd:import namespace="6794D9DE-4FDF-4DC0-8B2C-5438320C69D5"/>
@@ -36982,33 +36831,25 @@
 </ct:contentTypeSchema>
 </file>
 
-<file path=customXml/item2.xml><?xml version="1.0" encoding="utf-8"?>
-<p:properties xmlns:p="http://schemas.microsoft.com/office/2006/metadata/properties" xmlns:xsi="http://www.w3.org/2001/XMLSchema-instance" xmlns:pc="http://schemas.microsoft.com/office/infopath/2007/PartnerControls">
-  <documentManagement>
-    <SequenceNumber xmlns="6794D9DE-4FDF-4DC0-8B2C-5438320C69D5" xsi:nil="true"/>
-    <IsBuildFile xmlns="6794D9DE-4FDF-4DC0-8B2C-5438320C69D5" xsi:nil="true"/>
-    <BookTypeField0 xmlns="6794D9DE-4FDF-4DC0-8B2C-5438320C69D5">
-      <Terms xmlns="http://schemas.microsoft.com/office/infopath/2007/PartnerControls">
-        <TermInfo xmlns="http://schemas.microsoft.com/office/infopath/2007/PartnerControls">
-          <TermName xmlns="http://schemas.microsoft.com/office/infopath/2007/PartnerControls">IK</TermName>
-          <TermId xmlns="http://schemas.microsoft.com/office/infopath/2007/PartnerControls">5abe6401-e87a-4499-80b4-3d21a1a6ebd7</TermId>
-        </TermInfo>
-      </Terms>
-    </BookTypeField0>
-  </documentManagement>
-</p:properties>
+<file path=customXml/itemProps1.xml><?xml version="1.0" encoding="utf-8"?>
+<ds:datastoreItem xmlns:ds="http://schemas.openxmlformats.org/officeDocument/2006/customXml" ds:itemID="{DA141400-90D0-43B3-B64F-3F2A440B3515}">
+  <ds:schemaRefs>
+    <ds:schemaRef ds:uri="http://schemas.microsoft.com/sharepoint/v3/contenttype/forms"/>
+  </ds:schemaRefs>
+</ds:datastoreItem>
 </file>
 
-<file path=customXml/item3.xml><?xml version="1.0" encoding="utf-8"?>
-<?mso-contentType ?>
-<FormTemplates xmlns="http://schemas.microsoft.com/sharepoint/v3/contenttype/forms">
-  <Display>DocumentLibraryForm</Display>
-  <Edit>DocumentLibraryForm</Edit>
-  <New>DocumentLibraryForm</New>
-</FormTemplates>
+<file path=customXml/itemProps2.xml><?xml version="1.0" encoding="utf-8"?>
+<ds:datastoreItem xmlns:ds="http://schemas.openxmlformats.org/officeDocument/2006/customXml" ds:itemID="{5D50175C-B2BF-4A5C-A0B1-BFF44FE2944E}">
+  <ds:schemaRefs>
+    <ds:schemaRef ds:uri="http://schemas.microsoft.com/office/2006/metadata/properties"/>
+    <ds:schemaRef ds:uri="http://schemas.microsoft.com/office/infopath/2007/PartnerControls"/>
+    <ds:schemaRef ds:uri="6794D9DE-4FDF-4DC0-8B2C-5438320C69D5"/>
+  </ds:schemaRefs>
+</ds:datastoreItem>
 </file>
 
-<file path=customXml/itemProps1.xml><?xml version="1.0" encoding="utf-8"?>
+<file path=customXml/itemProps3.xml><?xml version="1.0" encoding="utf-8"?>
 <ds:datastoreItem xmlns:ds="http://schemas.openxmlformats.org/officeDocument/2006/customXml" ds:itemID="{3271DF08-82F2-4A02-867C-B628BF8B692B}">
   <ds:schemaRefs>
     <ds:schemaRef ds:uri="http://schemas.microsoft.com/office/2006/metadata/contentType"/>
@@ -37024,22 +36865,4 @@
     <ds:schemaRef ds:uri="http://schemas.microsoft.com/internal/obd"/>
   </ds:schemaRefs>
 </ds:datastoreItem>
-</file>
-
-<file path=customXml/itemProps2.xml><?xml version="1.0" encoding="utf-8"?>
-<ds:datastoreItem xmlns:ds="http://schemas.openxmlformats.org/officeDocument/2006/customXml" ds:itemID="{5D50175C-B2BF-4A5C-A0B1-BFF44FE2944E}">
-  <ds:schemaRefs>
-    <ds:schemaRef ds:uri="http://schemas.microsoft.com/office/2006/metadata/properties"/>
-    <ds:schemaRef ds:uri="http://schemas.microsoft.com/office/infopath/2007/PartnerControls"/>
-    <ds:schemaRef ds:uri="6794D9DE-4FDF-4DC0-8B2C-5438320C69D5"/>
-  </ds:schemaRefs>
-</ds:datastoreItem>
-</file>
-
-<file path=customXml/itemProps3.xml><?xml version="1.0" encoding="utf-8"?>
-<ds:datastoreItem xmlns:ds="http://schemas.openxmlformats.org/officeDocument/2006/customXml" ds:itemID="{DA141400-90D0-43B3-B64F-3F2A440B3515}">
-  <ds:schemaRefs>
-    <ds:schemaRef ds:uri="http://schemas.microsoft.com/sharepoint/v3/contenttype/forms"/>
-  </ds:schemaRefs>
-</ds:datastoreItem>
 </file>